--- a/23-24/16/Prezentace - Video-prezentace.pptx
+++ b/23-24/16/Prezentace - Video-prezentace.pptx
@@ -134,6 +134,7 @@
 <file path=ppt/revisionInfo.xml><?xml version="1.0" encoding="utf-8"?>
 <p1510:revInfo xmlns:a="http://schemas.openxmlformats.org/drawingml/2006/main" xmlns:r="http://schemas.openxmlformats.org/officeDocument/2006/relationships" xmlns:p1510="http://schemas.microsoft.com/office/powerpoint/2015/10/main">
   <p1510:revLst>
+    <p1510:client id="{18A06BF1-B996-43E1-ABBC-FF8D66FE3FA0}" v="3" dt="2024-01-04T14:50:22.278"/>
     <p1510:client id="{C2E50181-A571-436F-9DD4-02E268DC4C31}" v="386" dt="2023-12-14T16:14:06.947"/>
   </p1510:revLst>
 </p1510:revInfo>
@@ -141,6 +142,30 @@
 
 <file path=ppt/changesInfos/changesInfo1.xml><?xml version="1.0" encoding="utf-8"?>
 <pc:chgInfo xmlns:a="http://schemas.openxmlformats.org/drawingml/2006/main" xmlns:r="http://schemas.openxmlformats.org/officeDocument/2006/relationships" xmlns:ac="http://schemas.microsoft.com/office/drawing/2013/main/command" xmlns:pc="http://schemas.microsoft.com/office/powerpoint/2013/main/command">
+  <pc:docChgLst>
+    <pc:chgData name="Guest User" providerId="Windows Live" clId="Web-{18A06BF1-B996-43E1-ABBC-FF8D66FE3FA0}"/>
+    <pc:docChg chg="modSld">
+      <pc:chgData name="Guest User" userId="" providerId="Windows Live" clId="Web-{18A06BF1-B996-43E1-ABBC-FF8D66FE3FA0}" dt="2024-01-04T14:50:22.278" v="2" actId="20577"/>
+      <pc:docMkLst>
+        <pc:docMk/>
+      </pc:docMkLst>
+      <pc:sldChg chg="modSp">
+        <pc:chgData name="Guest User" userId="" providerId="Windows Live" clId="Web-{18A06BF1-B996-43E1-ABBC-FF8D66FE3FA0}" dt="2024-01-04T14:50:22.278" v="2" actId="20577"/>
+        <pc:sldMkLst>
+          <pc:docMk/>
+          <pc:sldMk cId="1801550989" sldId="259"/>
+        </pc:sldMkLst>
+        <pc:spChg chg="mod">
+          <ac:chgData name="Guest User" userId="" providerId="Windows Live" clId="Web-{18A06BF1-B996-43E1-ABBC-FF8D66FE3FA0}" dt="2024-01-04T14:50:22.278" v="2" actId="20577"/>
+          <ac:spMkLst>
+            <pc:docMk/>
+            <pc:sldMk cId="1801550989" sldId="259"/>
+            <ac:spMk id="2" creationId="{8429ECBC-4848-AA84-F8BD-FFA6C37767CD}"/>
+          </ac:spMkLst>
+        </pc:spChg>
+      </pc:sldChg>
+    </pc:docChg>
+  </pc:docChgLst>
   <pc:docChgLst>
     <pc:chgData name="Daniel Culliver" userId="9abf190c3b8e1ebb" providerId="LiveId" clId="{C2E50181-A571-436F-9DD4-02E268DC4C31}"/>
     <pc:docChg chg="undo redo custSel addSld modSld sldOrd addSection delSection modSection">
@@ -8827,7 +8852,7 @@
           <a:p>
             <a:fld id="{5A257BAF-7F3F-4DF0-A994-ACB4978B5795}" type="datetimeFigureOut">
               <a:rPr lang="en-US" smtClean="0"/>
-              <a:t>12/14/2023</a:t>
+              <a:t>1/4/2024</a:t>
             </a:fld>
             <a:endParaRPr lang="en-US"/>
           </a:p>
@@ -10864,7 +10889,7 @@
           <a:p>
             <a:fld id="{5B4108F7-9617-4B20-B3C6-026E7D985ACA}" type="datetime1">
               <a:rPr lang="en-US" smtClean="0"/>
-              <a:t>12/14/2023</a:t>
+              <a:t>1/4/2024</a:t>
             </a:fld>
             <a:endParaRPr lang="en-US" dirty="0"/>
           </a:p>
@@ -11162,7 +11187,7 @@
           <a:p>
             <a:fld id="{7DC151F1-AF1A-4D19-AF21-0514A3FE0EE5}" type="datetime1">
               <a:rPr lang="en-US" smtClean="0"/>
-              <a:t>12/14/2023</a:t>
+              <a:t>1/4/2024</a:t>
             </a:fld>
             <a:endParaRPr lang="en-US"/>
           </a:p>
@@ -11483,7 +11508,7 @@
           <a:p>
             <a:fld id="{1BECF7B7-7D74-48EF-9F0D-643EFFC801CD}" type="datetime1">
               <a:rPr lang="en-US" smtClean="0"/>
-              <a:t>12/14/2023</a:t>
+              <a:t>1/4/2024</a:t>
             </a:fld>
             <a:endParaRPr lang="en-US"/>
           </a:p>
@@ -11661,7 +11686,7 @@
           <a:p>
             <a:fld id="{B62DFD89-E800-4C37-87CA-3D711DAD0426}" type="datetime1">
               <a:rPr lang="en-US" smtClean="0"/>
-              <a:t>12/14/2023</a:t>
+              <a:t>1/4/2024</a:t>
             </a:fld>
             <a:endParaRPr lang="en-US"/>
           </a:p>
@@ -12069,7 +12094,7 @@
           <a:p>
             <a:fld id="{66029ADB-27FB-4E7C-A564-3D77AC4B9B51}" type="datetime1">
               <a:rPr lang="en-US" smtClean="0"/>
-              <a:t>12/14/2023</a:t>
+              <a:t>1/4/2024</a:t>
             </a:fld>
             <a:endParaRPr lang="en-US"/>
           </a:p>
@@ -12346,7 +12371,7 @@
           <a:p>
             <a:fld id="{C6ECCB69-FD73-460E-A082-D11B1FF41951}" type="datetime1">
               <a:rPr lang="en-US" smtClean="0"/>
-              <a:t>12/14/2023</a:t>
+              <a:t>1/4/2024</a:t>
             </a:fld>
             <a:endParaRPr lang="en-US"/>
           </a:p>
@@ -12788,7 +12813,7 @@
           <a:p>
             <a:fld id="{BF793602-03F9-4A22-8ADA-79A361319A33}" type="datetime1">
               <a:rPr lang="en-US" smtClean="0"/>
-              <a:t>12/14/2023</a:t>
+              <a:t>1/4/2024</a:t>
             </a:fld>
             <a:endParaRPr lang="en-US"/>
           </a:p>
@@ -12971,7 +12996,7 @@
           <a:p>
             <a:fld id="{A9A1FACC-3DA2-468F-858F-B804C58C203D}" type="datetime1">
               <a:rPr lang="en-US" smtClean="0"/>
-              <a:t>12/14/2023</a:t>
+              <a:t>1/4/2024</a:t>
             </a:fld>
             <a:endParaRPr lang="en-US"/>
           </a:p>
@@ -13207,7 +13232,7 @@
           <a:p>
             <a:fld id="{435FA6AE-92F2-49A8-A600-9F625662B69E}" type="datetime1">
               <a:rPr lang="en-US" smtClean="0"/>
-              <a:t>12/14/2023</a:t>
+              <a:t>1/4/2024</a:t>
             </a:fld>
             <a:endParaRPr lang="en-US"/>
           </a:p>
@@ -13565,7 +13590,7 @@
           <a:p>
             <a:fld id="{B3449B5D-68A9-4986-B1CC-CAC501EDC4C7}" type="datetime1">
               <a:rPr lang="en-US" smtClean="0"/>
-              <a:t>12/14/2023</a:t>
+              <a:t>1/4/2024</a:t>
             </a:fld>
             <a:endParaRPr lang="en-US"/>
           </a:p>
@@ -13951,7 +13976,7 @@
           <a:p>
             <a:fld id="{E3CF6350-47B6-45D5-81B2-9AC1F1BAE753}" type="datetime1">
               <a:rPr lang="en-US" smtClean="0"/>
-              <a:t>12/14/2023</a:t>
+              <a:t>1/4/2024</a:t>
             </a:fld>
             <a:endParaRPr lang="en-US"/>
           </a:p>
@@ -14240,7 +14265,7 @@
           <a:p>
             <a:fld id="{7195E111-0D3D-4088-99F2-537714A79037}" type="datetime1">
               <a:rPr lang="en-US" smtClean="0"/>
-              <a:t>12/14/2023</a:t>
+              <a:t>1/4/2024</a:t>
             </a:fld>
             <a:endParaRPr lang="en-US" dirty="0"/>
           </a:p>
@@ -14922,7 +14947,7 @@
           <a:p>
             <a:fld id="{5B4108F7-9617-4B20-B3C6-026E7D985ACA}" type="datetime1">
               <a:rPr lang="en-US" smtClean="0"/>
-              <a:t>12/14/2023</a:t>
+              <a:t>1/4/2024</a:t>
             </a:fld>
             <a:endParaRPr lang="en-US" dirty="0"/>
           </a:p>
@@ -15124,7 +15149,7 @@
           <a:p>
             <a:fld id="{A9A1FACC-3DA2-468F-858F-B804C58C203D}" type="datetime1">
               <a:rPr lang="en-US" smtClean="0"/>
-              <a:t>12/14/2023</a:t>
+              <a:t>1/4/2024</a:t>
             </a:fld>
             <a:endParaRPr lang="en-US"/>
           </a:p>
@@ -15336,8 +15361,8 @@
           </a:p>
         </p:txBody>
       </p:sp>
-      <mc:AlternateContent xmlns:mc="http://schemas.openxmlformats.org/markup-compatibility/2006">
-        <mc:Choice xmlns:a14="http://schemas.microsoft.com/office/drawing/2010/main" Requires="a14">
+      <mc:AlternateContent xmlns:mc="http://schemas.openxmlformats.org/markup-compatibility/2006" xmlns:a14="http://schemas.microsoft.com/office/drawing/2010/main">
+        <mc:Choice Requires="a14">
           <p:sp>
             <p:nvSpPr>
               <p:cNvPr id="3" name="Content Placeholder 2">
@@ -15642,7 +15667,7 @@
             </p:txBody>
           </p:sp>
         </mc:Choice>
-        <mc:Fallback>
+        <mc:Fallback xmlns="">
           <p:sp>
             <p:nvSpPr>
               <p:cNvPr id="3" name="Content Placeholder 2">
@@ -15705,7 +15730,7 @@
           <a:p>
             <a:fld id="{B62DFD89-E800-4C37-87CA-3D711DAD0426}" type="datetime1">
               <a:rPr lang="en-US" smtClean="0"/>
-              <a:t>12/14/2023</a:t>
+              <a:t>1/4/2024</a:t>
             </a:fld>
             <a:endParaRPr lang="en-US"/>
           </a:p>
@@ -15889,8 +15914,8 @@
           </a:p>
         </p:txBody>
       </p:sp>
-      <mc:AlternateContent xmlns:mc="http://schemas.openxmlformats.org/markup-compatibility/2006">
-        <mc:Choice xmlns:a14="http://schemas.microsoft.com/office/drawing/2010/main" Requires="a14">
+      <mc:AlternateContent xmlns:mc="http://schemas.openxmlformats.org/markup-compatibility/2006" xmlns:a14="http://schemas.microsoft.com/office/drawing/2010/main">
+        <mc:Choice Requires="a14">
           <p:sp>
             <p:nvSpPr>
               <p:cNvPr id="3" name="Content Placeholder 2">
@@ -16504,7 +16529,7 @@
             </p:txBody>
           </p:sp>
         </mc:Choice>
-        <mc:Fallback>
+        <mc:Fallback xmlns="">
           <p:sp>
             <p:nvSpPr>
               <p:cNvPr id="3" name="Content Placeholder 2">
@@ -16567,7 +16592,7 @@
           <a:p>
             <a:fld id="{B62DFD89-E800-4C37-87CA-3D711DAD0426}" type="datetime1">
               <a:rPr lang="en-US" smtClean="0"/>
-              <a:t>12/14/2023</a:t>
+              <a:t>1/4/2024</a:t>
             </a:fld>
             <a:endParaRPr lang="en-US"/>
           </a:p>
@@ -16721,8 +16746,8 @@
           </a:p>
         </p:txBody>
       </p:sp>
-      <mc:AlternateContent xmlns:mc="http://schemas.openxmlformats.org/markup-compatibility/2006">
-        <mc:Choice xmlns:a14="http://schemas.microsoft.com/office/drawing/2010/main" Requires="a14">
+      <mc:AlternateContent xmlns:mc="http://schemas.openxmlformats.org/markup-compatibility/2006" xmlns:a14="http://schemas.microsoft.com/office/drawing/2010/main">
+        <mc:Choice Requires="a14">
           <p:sp>
             <p:nvSpPr>
               <p:cNvPr id="3" name="Content Placeholder 2">
@@ -16826,7 +16851,7 @@
             </p:txBody>
           </p:sp>
         </mc:Choice>
-        <mc:Fallback>
+        <mc:Fallback xmlns="">
           <p:sp>
             <p:nvSpPr>
               <p:cNvPr id="3" name="Content Placeholder 2">
@@ -16889,7 +16914,7 @@
           <a:p>
             <a:fld id="{B62DFD89-E800-4C37-87CA-3D711DAD0426}" type="datetime1">
               <a:rPr lang="en-US" smtClean="0"/>
-              <a:t>12/14/2023</a:t>
+              <a:t>1/4/2024</a:t>
             </a:fld>
             <a:endParaRPr lang="en-US"/>
           </a:p>
@@ -17098,7 +17123,7 @@
           <a:p>
             <a:fld id="{B62DFD89-E800-4C37-87CA-3D711DAD0426}" type="datetime1">
               <a:rPr lang="en-US" smtClean="0"/>
-              <a:t>12/14/2023</a:t>
+              <a:t>1/4/2024</a:t>
             </a:fld>
             <a:endParaRPr lang="en-US"/>
           </a:p>
@@ -17258,8 +17283,8 @@
             </a:extLst>
           </p:spPr>
         </p:pic>
-        <mc:AlternateContent xmlns:mc="http://schemas.openxmlformats.org/markup-compatibility/2006">
-          <mc:Choice xmlns:a14="http://schemas.microsoft.com/office/drawing/2010/main" Requires="a14">
+        <mc:AlternateContent xmlns:mc="http://schemas.openxmlformats.org/markup-compatibility/2006" xmlns:a14="http://schemas.microsoft.com/office/drawing/2010/main">
+          <mc:Choice Requires="a14">
             <p:sp>
               <p:nvSpPr>
                 <p:cNvPr id="8" name="TextBox 7">
@@ -17288,6 +17313,7 @@
                 </a:bodyPr>
                 <a:lstStyle/>
                 <a:p>
+                  <a:pPr/>
                   <a14:m>
                     <m:oMathPara xmlns:m="http://schemas.openxmlformats.org/officeDocument/2006/math">
                       <m:oMathParaPr>
@@ -17435,7 +17461,7 @@
               </p:txBody>
             </p:sp>
           </mc:Choice>
-          <mc:Fallback>
+          <mc:Fallback xmlns="">
             <p:sp>
               <p:nvSpPr>
                 <p:cNvPr id="8" name="TextBox 7">
@@ -17600,7 +17626,7 @@
           <a:p>
             <a:fld id="{B62DFD89-E800-4C37-87CA-3D711DAD0426}" type="datetime1">
               <a:rPr lang="en-US" smtClean="0"/>
-              <a:t>12/14/2023</a:t>
+              <a:t>1/4/2024</a:t>
             </a:fld>
             <a:endParaRPr lang="en-US"/>
           </a:p>
@@ -17878,7 +17904,7 @@
           <a:p>
             <a:fld id="{B62DFD89-E800-4C37-87CA-3D711DAD0426}" type="datetime1">
               <a:rPr lang="en-US" smtClean="0"/>
-              <a:t>12/14/2023</a:t>
+              <a:t>1/4/2024</a:t>
             </a:fld>
             <a:endParaRPr lang="en-US"/>
           </a:p>
@@ -18210,7 +18236,7 @@
           <a:p>
             <a:fld id="{B62DFD89-E800-4C37-87CA-3D711DAD0426}" type="datetime1">
               <a:rPr lang="en-US" smtClean="0"/>
-              <a:t>12/14/2023</a:t>
+              <a:t>1/4/2024</a:t>
             </a:fld>
             <a:endParaRPr lang="en-US"/>
           </a:p>
@@ -18475,7 +18501,7 @@
           <a:p>
             <a:fld id="{B62DFD89-E800-4C37-87CA-3D711DAD0426}" type="datetime1">
               <a:rPr lang="en-US" smtClean="0"/>
-              <a:t>12/14/2023</a:t>
+              <a:t>1/4/2024</a:t>
             </a:fld>
             <a:endParaRPr lang="en-US"/>
           </a:p>
@@ -18726,7 +18752,7 @@
           <a:p>
             <a:fld id="{B62DFD89-E800-4C37-87CA-3D711DAD0426}" type="datetime1">
               <a:rPr lang="en-US" smtClean="0"/>
-              <a:t>12/14/2023</a:t>
+              <a:t>1/4/2024</a:t>
             </a:fld>
             <a:endParaRPr lang="en-US"/>
           </a:p>
@@ -18931,7 +18957,7 @@
           <a:p>
             <a:r>
               <a:rPr lang="en-US" dirty="0"/>
-              <a:t>Our Progression</a:t>
+              <a:t>Our Models</a:t>
             </a:r>
           </a:p>
         </p:txBody>
@@ -19018,7 +19044,7 @@
           <a:p>
             <a:fld id="{B62DFD89-E800-4C37-87CA-3D711DAD0426}" type="datetime1">
               <a:rPr lang="en-US" smtClean="0"/>
-              <a:t>12/14/2023</a:t>
+              <a:t>1/4/2024</a:t>
             </a:fld>
             <a:endParaRPr lang="en-US"/>
           </a:p>
@@ -19259,7 +19285,7 @@
           <a:p>
             <a:fld id="{B62DFD89-E800-4C37-87CA-3D711DAD0426}" type="datetime1">
               <a:rPr lang="en-US" smtClean="0"/>
-              <a:t>12/14/2023</a:t>
+              <a:t>1/4/2024</a:t>
             </a:fld>
             <a:endParaRPr lang="en-US"/>
           </a:p>
@@ -19474,7 +19500,7 @@
           <a:p>
             <a:fld id="{B62DFD89-E800-4C37-87CA-3D711DAD0426}" type="datetime1">
               <a:rPr lang="en-US" smtClean="0"/>
-              <a:t>12/14/2023</a:t>
+              <a:t>1/4/2024</a:t>
             </a:fld>
             <a:endParaRPr lang="en-US"/>
           </a:p>
@@ -19692,7 +19718,7 @@
           <a:p>
             <a:fld id="{A9A1FACC-3DA2-468F-858F-B804C58C203D}" type="datetime1">
               <a:rPr lang="en-US" smtClean="0"/>
-              <a:t>12/14/2023</a:t>
+              <a:t>1/4/2024</a:t>
             </a:fld>
             <a:endParaRPr lang="en-US"/>
           </a:p>
@@ -19923,7 +19949,7 @@
           <a:p>
             <a:fld id="{A9A1FACC-3DA2-468F-858F-B804C58C203D}" type="datetime1">
               <a:rPr lang="en-US" smtClean="0"/>
-              <a:t>12/14/2023</a:t>
+              <a:t>1/4/2024</a:t>
             </a:fld>
             <a:endParaRPr lang="en-US"/>
           </a:p>
@@ -20187,7 +20213,7 @@
           <a:p>
             <a:fld id="{B62DFD89-E800-4C37-87CA-3D711DAD0426}" type="datetime1">
               <a:rPr lang="en-US" smtClean="0"/>
-              <a:t>12/14/2023</a:t>
+              <a:t>1/4/2024</a:t>
             </a:fld>
             <a:endParaRPr lang="en-US"/>
           </a:p>
